--- a/期末專題/專題會用到的圖檔.pptx
+++ b/期末專題/專題會用到的圖檔.pptx
@@ -7,6 +7,7 @@
   <p:sldIdLst>
     <p:sldId id="256" r:id="rId2"/>
     <p:sldId id="257" r:id="rId3"/>
+    <p:sldId id="258" r:id="rId4"/>
   </p:sldIdLst>
   <p:sldSz cx="12192000" cy="6858000"/>
   <p:notesSz cx="6858000" cy="9144000"/>
@@ -105,6 +106,11 @@
       </a:defRPr>
     </a:lvl9pPr>
   </p:defaultTextStyle>
+  <p:extLst>
+    <p:ext uri="{EFAFB233-063F-42B5-8137-9DF3F51BA10A}">
+      <p15:sldGuideLst xmlns:p15="http://schemas.microsoft.com/office/powerpoint/2012/main"/>
+    </p:ext>
+  </p:extLst>
 </p:presentation>
 </file>
 
@@ -255,7 +261,7 @@
           <a:p>
             <a:fld id="{B6EEDEEC-3C68-4586-AB1C-40550E15E9DA}" type="datetimeFigureOut">
               <a:rPr lang="zh-TW" altLang="en-US" smtClean="0"/>
-              <a:t>2023/12/8</a:t>
+              <a:t>2023/12/12</a:t>
             </a:fld>
             <a:endParaRPr lang="zh-TW" altLang="en-US"/>
           </a:p>
@@ -453,7 +459,7 @@
           <a:p>
             <a:fld id="{B6EEDEEC-3C68-4586-AB1C-40550E15E9DA}" type="datetimeFigureOut">
               <a:rPr lang="zh-TW" altLang="en-US" smtClean="0"/>
-              <a:t>2023/12/8</a:t>
+              <a:t>2023/12/12</a:t>
             </a:fld>
             <a:endParaRPr lang="zh-TW" altLang="en-US"/>
           </a:p>
@@ -661,7 +667,7 @@
           <a:p>
             <a:fld id="{B6EEDEEC-3C68-4586-AB1C-40550E15E9DA}" type="datetimeFigureOut">
               <a:rPr lang="zh-TW" altLang="en-US" smtClean="0"/>
-              <a:t>2023/12/8</a:t>
+              <a:t>2023/12/12</a:t>
             </a:fld>
             <a:endParaRPr lang="zh-TW" altLang="en-US"/>
           </a:p>
@@ -859,7 +865,7 @@
           <a:p>
             <a:fld id="{B6EEDEEC-3C68-4586-AB1C-40550E15E9DA}" type="datetimeFigureOut">
               <a:rPr lang="zh-TW" altLang="en-US" smtClean="0"/>
-              <a:t>2023/12/8</a:t>
+              <a:t>2023/12/12</a:t>
             </a:fld>
             <a:endParaRPr lang="zh-TW" altLang="en-US"/>
           </a:p>
@@ -1134,7 +1140,7 @@
           <a:p>
             <a:fld id="{B6EEDEEC-3C68-4586-AB1C-40550E15E9DA}" type="datetimeFigureOut">
               <a:rPr lang="zh-TW" altLang="en-US" smtClean="0"/>
-              <a:t>2023/12/8</a:t>
+              <a:t>2023/12/12</a:t>
             </a:fld>
             <a:endParaRPr lang="zh-TW" altLang="en-US"/>
           </a:p>
@@ -1399,7 +1405,7 @@
           <a:p>
             <a:fld id="{B6EEDEEC-3C68-4586-AB1C-40550E15E9DA}" type="datetimeFigureOut">
               <a:rPr lang="zh-TW" altLang="en-US" smtClean="0"/>
-              <a:t>2023/12/8</a:t>
+              <a:t>2023/12/12</a:t>
             </a:fld>
             <a:endParaRPr lang="zh-TW" altLang="en-US"/>
           </a:p>
@@ -1811,7 +1817,7 @@
           <a:p>
             <a:fld id="{B6EEDEEC-3C68-4586-AB1C-40550E15E9DA}" type="datetimeFigureOut">
               <a:rPr lang="zh-TW" altLang="en-US" smtClean="0"/>
-              <a:t>2023/12/8</a:t>
+              <a:t>2023/12/12</a:t>
             </a:fld>
             <a:endParaRPr lang="zh-TW" altLang="en-US"/>
           </a:p>
@@ -1952,7 +1958,7 @@
           <a:p>
             <a:fld id="{B6EEDEEC-3C68-4586-AB1C-40550E15E9DA}" type="datetimeFigureOut">
               <a:rPr lang="zh-TW" altLang="en-US" smtClean="0"/>
-              <a:t>2023/12/8</a:t>
+              <a:t>2023/12/12</a:t>
             </a:fld>
             <a:endParaRPr lang="zh-TW" altLang="en-US"/>
           </a:p>
@@ -2065,7 +2071,7 @@
           <a:p>
             <a:fld id="{B6EEDEEC-3C68-4586-AB1C-40550E15E9DA}" type="datetimeFigureOut">
               <a:rPr lang="zh-TW" altLang="en-US" smtClean="0"/>
-              <a:t>2023/12/8</a:t>
+              <a:t>2023/12/12</a:t>
             </a:fld>
             <a:endParaRPr lang="zh-TW" altLang="en-US"/>
           </a:p>
@@ -2376,7 +2382,7 @@
           <a:p>
             <a:fld id="{B6EEDEEC-3C68-4586-AB1C-40550E15E9DA}" type="datetimeFigureOut">
               <a:rPr lang="zh-TW" altLang="en-US" smtClean="0"/>
-              <a:t>2023/12/8</a:t>
+              <a:t>2023/12/12</a:t>
             </a:fld>
             <a:endParaRPr lang="zh-TW" altLang="en-US"/>
           </a:p>
@@ -2664,7 +2670,7 @@
           <a:p>
             <a:fld id="{B6EEDEEC-3C68-4586-AB1C-40550E15E9DA}" type="datetimeFigureOut">
               <a:rPr lang="zh-TW" altLang="en-US" smtClean="0"/>
-              <a:t>2023/12/8</a:t>
+              <a:t>2023/12/12</a:t>
             </a:fld>
             <a:endParaRPr lang="zh-TW" altLang="en-US"/>
           </a:p>
@@ -2905,7 +2911,7 @@
           <a:p>
             <a:fld id="{B6EEDEEC-3C68-4586-AB1C-40550E15E9DA}" type="datetimeFigureOut">
               <a:rPr lang="zh-TW" altLang="en-US" smtClean="0"/>
-              <a:t>2023/12/8</a:t>
+              <a:t>2023/12/12</a:t>
             </a:fld>
             <a:endParaRPr lang="zh-TW" altLang="en-US"/>
           </a:p>
@@ -3508,6 +3514,228 @@
 </p:sld>
 </file>
 
+<file path=ppt/slides/slide3.xml><?xml version="1.0" encoding="utf-8"?>
+<p:sld xmlns:a="http://schemas.openxmlformats.org/drawingml/2006/main" xmlns:r="http://schemas.openxmlformats.org/officeDocument/2006/relationships" xmlns:p="http://schemas.openxmlformats.org/presentationml/2006/main">
+  <p:cSld>
+    <p:spTree>
+      <p:nvGrpSpPr>
+        <p:cNvPr id="1" name=""/>
+        <p:cNvGrpSpPr/>
+        <p:nvPr/>
+      </p:nvGrpSpPr>
+      <p:grpSpPr>
+        <a:xfrm>
+          <a:off x="0" y="0"/>
+          <a:ext cx="0" cy="0"/>
+          <a:chOff x="0" y="0"/>
+          <a:chExt cx="0" cy="0"/>
+        </a:xfrm>
+      </p:grpSpPr>
+      <p:pic>
+        <p:nvPicPr>
+          <p:cNvPr id="5" name="圖片 4">
+            <a:extLst>
+              <a:ext uri="{FF2B5EF4-FFF2-40B4-BE49-F238E27FC236}">
+                <a16:creationId xmlns:a16="http://schemas.microsoft.com/office/drawing/2014/main" id="{9D6786FC-7948-4933-97A6-2716594177D5}"/>
+              </a:ext>
+            </a:extLst>
+          </p:cNvPr>
+          <p:cNvPicPr>
+            <a:picLocks noChangeAspect="1"/>
+          </p:cNvPicPr>
+          <p:nvPr/>
+        </p:nvPicPr>
+        <p:blipFill>
+          <a:blip r:embed="rId2">
+            <a:extLst>
+              <a:ext uri="{28A0092B-C50C-407E-A947-70E740481C1C}">
+                <a14:useLocalDpi xmlns:a14="http://schemas.microsoft.com/office/drawing/2010/main" val="0"/>
+              </a:ext>
+            </a:extLst>
+          </a:blip>
+          <a:stretch>
+            <a:fillRect/>
+          </a:stretch>
+        </p:blipFill>
+        <p:spPr>
+          <a:xfrm>
+            <a:off x="760574" y="207936"/>
+            <a:ext cx="7264922" cy="6240792"/>
+          </a:xfrm>
+          <a:prstGeom prst="rect">
+            <a:avLst/>
+          </a:prstGeom>
+        </p:spPr>
+      </p:pic>
+      <p:sp>
+        <p:nvSpPr>
+          <p:cNvPr id="6" name="矩形 5">
+            <a:extLst>
+              <a:ext uri="{FF2B5EF4-FFF2-40B4-BE49-F238E27FC236}">
+                <a16:creationId xmlns:a16="http://schemas.microsoft.com/office/drawing/2014/main" id="{89465F7B-CDAC-4D04-9695-99334A6FEC18}"/>
+              </a:ext>
+            </a:extLst>
+          </p:cNvPr>
+          <p:cNvSpPr/>
+          <p:nvPr/>
+        </p:nvSpPr>
+        <p:spPr>
+          <a:xfrm>
+            <a:off x="760574" y="5142451"/>
+            <a:ext cx="7186598" cy="360727"/>
+          </a:xfrm>
+          <a:prstGeom prst="rect">
+            <a:avLst/>
+          </a:prstGeom>
+          <a:noFill/>
+          <a:ln w="57150">
+            <a:solidFill>
+              <a:srgbClr val="FFFF00"/>
+            </a:solidFill>
+          </a:ln>
+        </p:spPr>
+        <p:style>
+          <a:lnRef idx="2">
+            <a:schemeClr val="accent1">
+              <a:shade val="50000"/>
+            </a:schemeClr>
+          </a:lnRef>
+          <a:fillRef idx="1">
+            <a:schemeClr val="accent1"/>
+          </a:fillRef>
+          <a:effectRef idx="0">
+            <a:schemeClr val="accent1"/>
+          </a:effectRef>
+          <a:fontRef idx="minor">
+            <a:schemeClr val="lt1"/>
+          </a:fontRef>
+        </p:style>
+        <p:txBody>
+          <a:bodyPr rtlCol="0" anchor="ctr"/>
+          <a:lstStyle/>
+          <a:p>
+            <a:pPr algn="ctr"/>
+            <a:endParaRPr lang="zh-TW" altLang="en-US"/>
+          </a:p>
+        </p:txBody>
+      </p:sp>
+      <p:sp>
+        <p:nvSpPr>
+          <p:cNvPr id="7" name="矩形 6">
+            <a:extLst>
+              <a:ext uri="{FF2B5EF4-FFF2-40B4-BE49-F238E27FC236}">
+                <a16:creationId xmlns:a16="http://schemas.microsoft.com/office/drawing/2014/main" id="{4635BF7B-1EB8-4B98-8288-7C674B8A491C}"/>
+              </a:ext>
+            </a:extLst>
+          </p:cNvPr>
+          <p:cNvSpPr/>
+          <p:nvPr/>
+        </p:nvSpPr>
+        <p:spPr>
+          <a:xfrm>
+            <a:off x="2624329" y="5142451"/>
+            <a:ext cx="387319" cy="360727"/>
+          </a:xfrm>
+          <a:prstGeom prst="rect">
+            <a:avLst/>
+          </a:prstGeom>
+          <a:noFill/>
+          <a:ln w="57150">
+            <a:solidFill>
+              <a:srgbClr val="FFFF00"/>
+            </a:solidFill>
+          </a:ln>
+        </p:spPr>
+        <p:style>
+          <a:lnRef idx="2">
+            <a:schemeClr val="accent1">
+              <a:shade val="50000"/>
+            </a:schemeClr>
+          </a:lnRef>
+          <a:fillRef idx="1">
+            <a:schemeClr val="accent1"/>
+          </a:fillRef>
+          <a:effectRef idx="0">
+            <a:schemeClr val="accent1"/>
+          </a:effectRef>
+          <a:fontRef idx="minor">
+            <a:schemeClr val="lt1"/>
+          </a:fontRef>
+        </p:style>
+        <p:txBody>
+          <a:bodyPr rtlCol="0" anchor="ctr"/>
+          <a:lstStyle/>
+          <a:p>
+            <a:pPr algn="ctr"/>
+            <a:endParaRPr lang="zh-TW" altLang="en-US"/>
+          </a:p>
+        </p:txBody>
+      </p:sp>
+      <p:sp>
+        <p:nvSpPr>
+          <p:cNvPr id="8" name="矩形 7">
+            <a:extLst>
+              <a:ext uri="{FF2B5EF4-FFF2-40B4-BE49-F238E27FC236}">
+                <a16:creationId xmlns:a16="http://schemas.microsoft.com/office/drawing/2014/main" id="{37087158-4F02-426A-904D-36A0EB0298B8}"/>
+              </a:ext>
+            </a:extLst>
+          </p:cNvPr>
+          <p:cNvSpPr/>
+          <p:nvPr/>
+        </p:nvSpPr>
+        <p:spPr>
+          <a:xfrm>
+            <a:off x="3305235" y="5142450"/>
+            <a:ext cx="387319" cy="360727"/>
+          </a:xfrm>
+          <a:prstGeom prst="rect">
+            <a:avLst/>
+          </a:prstGeom>
+          <a:noFill/>
+          <a:ln w="57150">
+            <a:solidFill>
+              <a:srgbClr val="FFFF00"/>
+            </a:solidFill>
+          </a:ln>
+        </p:spPr>
+        <p:style>
+          <a:lnRef idx="2">
+            <a:schemeClr val="accent1">
+              <a:shade val="50000"/>
+            </a:schemeClr>
+          </a:lnRef>
+          <a:fillRef idx="1">
+            <a:schemeClr val="accent1"/>
+          </a:fillRef>
+          <a:effectRef idx="0">
+            <a:schemeClr val="accent1"/>
+          </a:effectRef>
+          <a:fontRef idx="minor">
+            <a:schemeClr val="lt1"/>
+          </a:fontRef>
+        </p:style>
+        <p:txBody>
+          <a:bodyPr rtlCol="0" anchor="ctr"/>
+          <a:lstStyle/>
+          <a:p>
+            <a:pPr algn="ctr"/>
+            <a:endParaRPr lang="zh-TW" altLang="en-US"/>
+          </a:p>
+        </p:txBody>
+      </p:sp>
+    </p:spTree>
+    <p:extLst>
+      <p:ext uri="{BB962C8B-B14F-4D97-AF65-F5344CB8AC3E}">
+        <p14:creationId xmlns:p14="http://schemas.microsoft.com/office/powerpoint/2010/main" val="2762758775"/>
+      </p:ext>
+    </p:extLst>
+  </p:cSld>
+  <p:clrMapOvr>
+    <a:masterClrMapping/>
+  </p:clrMapOvr>
+</p:sld>
+</file>
+
 <file path=ppt/theme/theme1.xml><?xml version="1.0" encoding="utf-8"?>
 <a:theme xmlns:a="http://schemas.openxmlformats.org/drawingml/2006/main" name="Office 佈景主題">
   <a:themeElements>

--- a/期末專題/專題會用到的圖檔.pptx
+++ b/期末專題/專題會用到的圖檔.pptx
@@ -8,6 +8,7 @@
     <p:sldId id="256" r:id="rId2"/>
     <p:sldId id="257" r:id="rId3"/>
     <p:sldId id="258" r:id="rId4"/>
+    <p:sldId id="259" r:id="rId5"/>
   </p:sldIdLst>
   <p:sldSz cx="12192000" cy="6858000"/>
   <p:notesSz cx="6858000" cy="9144000"/>
@@ -261,7 +262,7 @@
           <a:p>
             <a:fld id="{B6EEDEEC-3C68-4586-AB1C-40550E15E9DA}" type="datetimeFigureOut">
               <a:rPr lang="zh-TW" altLang="en-US" smtClean="0"/>
-              <a:t>2023/12/12</a:t>
+              <a:t>2023/12/18</a:t>
             </a:fld>
             <a:endParaRPr lang="zh-TW" altLang="en-US"/>
           </a:p>
@@ -459,7 +460,7 @@
           <a:p>
             <a:fld id="{B6EEDEEC-3C68-4586-AB1C-40550E15E9DA}" type="datetimeFigureOut">
               <a:rPr lang="zh-TW" altLang="en-US" smtClean="0"/>
-              <a:t>2023/12/12</a:t>
+              <a:t>2023/12/18</a:t>
             </a:fld>
             <a:endParaRPr lang="zh-TW" altLang="en-US"/>
           </a:p>
@@ -667,7 +668,7 @@
           <a:p>
             <a:fld id="{B6EEDEEC-3C68-4586-AB1C-40550E15E9DA}" type="datetimeFigureOut">
               <a:rPr lang="zh-TW" altLang="en-US" smtClean="0"/>
-              <a:t>2023/12/12</a:t>
+              <a:t>2023/12/18</a:t>
             </a:fld>
             <a:endParaRPr lang="zh-TW" altLang="en-US"/>
           </a:p>
@@ -865,7 +866,7 @@
           <a:p>
             <a:fld id="{B6EEDEEC-3C68-4586-AB1C-40550E15E9DA}" type="datetimeFigureOut">
               <a:rPr lang="zh-TW" altLang="en-US" smtClean="0"/>
-              <a:t>2023/12/12</a:t>
+              <a:t>2023/12/18</a:t>
             </a:fld>
             <a:endParaRPr lang="zh-TW" altLang="en-US"/>
           </a:p>
@@ -1140,7 +1141,7 @@
           <a:p>
             <a:fld id="{B6EEDEEC-3C68-4586-AB1C-40550E15E9DA}" type="datetimeFigureOut">
               <a:rPr lang="zh-TW" altLang="en-US" smtClean="0"/>
-              <a:t>2023/12/12</a:t>
+              <a:t>2023/12/18</a:t>
             </a:fld>
             <a:endParaRPr lang="zh-TW" altLang="en-US"/>
           </a:p>
@@ -1405,7 +1406,7 @@
           <a:p>
             <a:fld id="{B6EEDEEC-3C68-4586-AB1C-40550E15E9DA}" type="datetimeFigureOut">
               <a:rPr lang="zh-TW" altLang="en-US" smtClean="0"/>
-              <a:t>2023/12/12</a:t>
+              <a:t>2023/12/18</a:t>
             </a:fld>
             <a:endParaRPr lang="zh-TW" altLang="en-US"/>
           </a:p>
@@ -1817,7 +1818,7 @@
           <a:p>
             <a:fld id="{B6EEDEEC-3C68-4586-AB1C-40550E15E9DA}" type="datetimeFigureOut">
               <a:rPr lang="zh-TW" altLang="en-US" smtClean="0"/>
-              <a:t>2023/12/12</a:t>
+              <a:t>2023/12/18</a:t>
             </a:fld>
             <a:endParaRPr lang="zh-TW" altLang="en-US"/>
           </a:p>
@@ -1958,7 +1959,7 @@
           <a:p>
             <a:fld id="{B6EEDEEC-3C68-4586-AB1C-40550E15E9DA}" type="datetimeFigureOut">
               <a:rPr lang="zh-TW" altLang="en-US" smtClean="0"/>
-              <a:t>2023/12/12</a:t>
+              <a:t>2023/12/18</a:t>
             </a:fld>
             <a:endParaRPr lang="zh-TW" altLang="en-US"/>
           </a:p>
@@ -2071,7 +2072,7 @@
           <a:p>
             <a:fld id="{B6EEDEEC-3C68-4586-AB1C-40550E15E9DA}" type="datetimeFigureOut">
               <a:rPr lang="zh-TW" altLang="en-US" smtClean="0"/>
-              <a:t>2023/12/12</a:t>
+              <a:t>2023/12/18</a:t>
             </a:fld>
             <a:endParaRPr lang="zh-TW" altLang="en-US"/>
           </a:p>
@@ -2382,7 +2383,7 @@
           <a:p>
             <a:fld id="{B6EEDEEC-3C68-4586-AB1C-40550E15E9DA}" type="datetimeFigureOut">
               <a:rPr lang="zh-TW" altLang="en-US" smtClean="0"/>
-              <a:t>2023/12/12</a:t>
+              <a:t>2023/12/18</a:t>
             </a:fld>
             <a:endParaRPr lang="zh-TW" altLang="en-US"/>
           </a:p>
@@ -2670,7 +2671,7 @@
           <a:p>
             <a:fld id="{B6EEDEEC-3C68-4586-AB1C-40550E15E9DA}" type="datetimeFigureOut">
               <a:rPr lang="zh-TW" altLang="en-US" smtClean="0"/>
-              <a:t>2023/12/12</a:t>
+              <a:t>2023/12/18</a:t>
             </a:fld>
             <a:endParaRPr lang="zh-TW" altLang="en-US"/>
           </a:p>
@@ -2911,7 +2912,7 @@
           <a:p>
             <a:fld id="{B6EEDEEC-3C68-4586-AB1C-40550E15E9DA}" type="datetimeFigureOut">
               <a:rPr lang="zh-TW" altLang="en-US" smtClean="0"/>
-              <a:t>2023/12/12</a:t>
+              <a:t>2023/12/18</a:t>
             </a:fld>
             <a:endParaRPr lang="zh-TW" altLang="en-US"/>
           </a:p>
@@ -3736,6 +3737,186 @@
 </p:sld>
 </file>
 
+<file path=ppt/slides/slide4.xml><?xml version="1.0" encoding="utf-8"?>
+<p:sld xmlns:a="http://schemas.openxmlformats.org/drawingml/2006/main" xmlns:r="http://schemas.openxmlformats.org/officeDocument/2006/relationships" xmlns:p="http://schemas.openxmlformats.org/presentationml/2006/main">
+  <p:cSld>
+    <p:spTree>
+      <p:nvGrpSpPr>
+        <p:cNvPr id="1" name=""/>
+        <p:cNvGrpSpPr/>
+        <p:nvPr/>
+      </p:nvGrpSpPr>
+      <p:grpSpPr>
+        <a:xfrm>
+          <a:off x="0" y="0"/>
+          <a:ext cx="0" cy="0"/>
+          <a:chOff x="0" y="0"/>
+          <a:chExt cx="0" cy="0"/>
+        </a:xfrm>
+      </p:grpSpPr>
+      <p:sp>
+        <p:nvSpPr>
+          <p:cNvPr id="2" name="標題 1">
+            <a:extLst>
+              <a:ext uri="{FF2B5EF4-FFF2-40B4-BE49-F238E27FC236}">
+                <a16:creationId xmlns:a16="http://schemas.microsoft.com/office/drawing/2014/main" id="{16BDB0EB-ACD0-4807-B708-460B7F6B545E}"/>
+              </a:ext>
+            </a:extLst>
+          </p:cNvPr>
+          <p:cNvSpPr>
+            <a:spLocks noGrp="1"/>
+          </p:cNvSpPr>
+          <p:nvPr>
+            <p:ph type="title"/>
+          </p:nvPr>
+        </p:nvSpPr>
+        <p:spPr/>
+        <p:txBody>
+          <a:bodyPr/>
+          <a:lstStyle/>
+          <a:p>
+            <a:r>
+              <a:rPr lang="en-US" altLang="zh-TW" dirty="0"/>
+              <a:t>RE24</a:t>
+            </a:r>
+            <a:endParaRPr lang="zh-TW" altLang="en-US" dirty="0"/>
+          </a:p>
+        </p:txBody>
+      </p:sp>
+      <p:sp>
+        <p:nvSpPr>
+          <p:cNvPr id="3" name="內容版面配置區 2">
+            <a:extLst>
+              <a:ext uri="{FF2B5EF4-FFF2-40B4-BE49-F238E27FC236}">
+                <a16:creationId xmlns:a16="http://schemas.microsoft.com/office/drawing/2014/main" id="{D9C1CFAC-A41E-4905-8C0D-890F7904132F}"/>
+              </a:ext>
+            </a:extLst>
+          </p:cNvPr>
+          <p:cNvSpPr>
+            <a:spLocks noGrp="1"/>
+          </p:cNvSpPr>
+          <p:nvPr>
+            <p:ph idx="1"/>
+          </p:nvPr>
+        </p:nvSpPr>
+        <p:spPr/>
+        <p:txBody>
+          <a:bodyPr/>
+          <a:lstStyle/>
+          <a:p>
+            <a:r>
+              <a:rPr lang="zh-TW" altLang="en-US" dirty="0"/>
+              <a:t>得分期望值</a:t>
+            </a:r>
+            <a:r>
+              <a:rPr lang="en-US" altLang="zh-TW" dirty="0"/>
+              <a:t>(RE24)</a:t>
+            </a:r>
+            <a:r>
+              <a:rPr lang="zh-TW" altLang="en-US" dirty="0"/>
+              <a:t>，依照每個打席結果計算：</a:t>
+            </a:r>
+            <a:endParaRPr lang="en-US" altLang="zh-TW" dirty="0"/>
+          </a:p>
+          <a:p>
+            <a:r>
+              <a:rPr lang="zh-TW" altLang="en-US" dirty="0"/>
+              <a:t>當該打者結束打席時，球隊在該局的得分機率</a:t>
+            </a:r>
+            <a:r>
+              <a:rPr lang="en-US" altLang="zh-TW" dirty="0"/>
+              <a:t>(RE)</a:t>
+            </a:r>
+            <a:r>
+              <a:rPr lang="zh-TW" altLang="en-US" dirty="0"/>
+              <a:t>的變化就是該名打者在該打席的得分期望值</a:t>
+            </a:r>
+            <a:r>
+              <a:rPr lang="en-US" altLang="zh-TW" dirty="0"/>
+              <a:t>(RE)</a:t>
+            </a:r>
+          </a:p>
+          <a:p>
+            <a:r>
+              <a:rPr lang="zh-TW" altLang="en-US" dirty="0"/>
+              <a:t>簡單來說：擊出安打</a:t>
+            </a:r>
+            <a:r>
+              <a:rPr lang="en-US" altLang="zh-TW" dirty="0"/>
+              <a:t>RE24</a:t>
+            </a:r>
+            <a:r>
+              <a:rPr lang="zh-TW" altLang="en-US" dirty="0"/>
+              <a:t>會上升、滾地出局</a:t>
+            </a:r>
+            <a:r>
+              <a:rPr lang="en-US" altLang="zh-TW" dirty="0"/>
+              <a:t>RE24</a:t>
+            </a:r>
+            <a:r>
+              <a:rPr lang="zh-TW" altLang="en-US" dirty="0"/>
+              <a:t>會下降</a:t>
+            </a:r>
+            <a:endParaRPr lang="en-US" altLang="zh-TW" dirty="0"/>
+          </a:p>
+          <a:p>
+            <a:r>
+              <a:rPr lang="zh-TW" altLang="en-US" dirty="0"/>
+              <a:t>在不同的出局數跟佔壘情況，聯盟平均的</a:t>
+            </a:r>
+            <a:r>
+              <a:rPr lang="en-US" altLang="zh-TW" dirty="0"/>
+              <a:t>RE24</a:t>
+            </a:r>
+            <a:r>
+              <a:rPr lang="zh-TW" altLang="en-US" dirty="0"/>
+              <a:t>不同</a:t>
+            </a:r>
+            <a:endParaRPr lang="en-US" altLang="zh-TW" dirty="0"/>
+          </a:p>
+          <a:p>
+            <a:r>
+              <a:rPr lang="zh-TW" altLang="en-US" dirty="0"/>
+              <a:t>每一場比賽的</a:t>
+            </a:r>
+            <a:r>
+              <a:rPr lang="en-US" altLang="zh-TW" dirty="0"/>
+              <a:t>RE24</a:t>
+            </a:r>
+            <a:r>
+              <a:rPr lang="zh-TW" altLang="en-US" dirty="0"/>
+              <a:t>是每個打席的總和</a:t>
+            </a:r>
+            <a:endParaRPr lang="en-US" altLang="zh-TW" dirty="0"/>
+          </a:p>
+          <a:p>
+            <a:r>
+              <a:rPr lang="zh-TW" altLang="en-US" dirty="0"/>
+              <a:t>總之正的就是對球隊得分有幫助、負值則相反</a:t>
+            </a:r>
+            <a:endParaRPr lang="en-US" altLang="zh-TW" dirty="0"/>
+          </a:p>
+          <a:p>
+            <a:endParaRPr lang="en-US" altLang="zh-TW" dirty="0"/>
+          </a:p>
+          <a:p>
+            <a:endParaRPr lang="zh-TW" altLang="en-US" dirty="0"/>
+          </a:p>
+        </p:txBody>
+      </p:sp>
+    </p:spTree>
+    <p:extLst>
+      <p:ext uri="{BB962C8B-B14F-4D97-AF65-F5344CB8AC3E}">
+        <p14:creationId xmlns:p14="http://schemas.microsoft.com/office/powerpoint/2010/main" val="2170307242"/>
+      </p:ext>
+    </p:extLst>
+  </p:cSld>
+  <p:clrMapOvr>
+    <a:masterClrMapping/>
+  </p:clrMapOvr>
+</p:sld>
+</file>
+
 <file path=ppt/theme/theme1.xml><?xml version="1.0" encoding="utf-8"?>
 <a:theme xmlns:a="http://schemas.openxmlformats.org/drawingml/2006/main" name="Office 佈景主題">
   <a:themeElements>

--- a/期末專題/專題會用到的圖檔.pptx
+++ b/期末專題/專題會用到的圖檔.pptx
@@ -262,7 +262,7 @@
           <a:p>
             <a:fld id="{B6EEDEEC-3C68-4586-AB1C-40550E15E9DA}" type="datetimeFigureOut">
               <a:rPr lang="zh-TW" altLang="en-US" smtClean="0"/>
-              <a:t>2023/12/18</a:t>
+              <a:t>2023/12/25</a:t>
             </a:fld>
             <a:endParaRPr lang="zh-TW" altLang="en-US"/>
           </a:p>
@@ -460,7 +460,7 @@
           <a:p>
             <a:fld id="{B6EEDEEC-3C68-4586-AB1C-40550E15E9DA}" type="datetimeFigureOut">
               <a:rPr lang="zh-TW" altLang="en-US" smtClean="0"/>
-              <a:t>2023/12/18</a:t>
+              <a:t>2023/12/25</a:t>
             </a:fld>
             <a:endParaRPr lang="zh-TW" altLang="en-US"/>
           </a:p>
@@ -668,7 +668,7 @@
           <a:p>
             <a:fld id="{B6EEDEEC-3C68-4586-AB1C-40550E15E9DA}" type="datetimeFigureOut">
               <a:rPr lang="zh-TW" altLang="en-US" smtClean="0"/>
-              <a:t>2023/12/18</a:t>
+              <a:t>2023/12/25</a:t>
             </a:fld>
             <a:endParaRPr lang="zh-TW" altLang="en-US"/>
           </a:p>
@@ -866,7 +866,7 @@
           <a:p>
             <a:fld id="{B6EEDEEC-3C68-4586-AB1C-40550E15E9DA}" type="datetimeFigureOut">
               <a:rPr lang="zh-TW" altLang="en-US" smtClean="0"/>
-              <a:t>2023/12/18</a:t>
+              <a:t>2023/12/25</a:t>
             </a:fld>
             <a:endParaRPr lang="zh-TW" altLang="en-US"/>
           </a:p>
@@ -1141,7 +1141,7 @@
           <a:p>
             <a:fld id="{B6EEDEEC-3C68-4586-AB1C-40550E15E9DA}" type="datetimeFigureOut">
               <a:rPr lang="zh-TW" altLang="en-US" smtClean="0"/>
-              <a:t>2023/12/18</a:t>
+              <a:t>2023/12/25</a:t>
             </a:fld>
             <a:endParaRPr lang="zh-TW" altLang="en-US"/>
           </a:p>
@@ -1406,7 +1406,7 @@
           <a:p>
             <a:fld id="{B6EEDEEC-3C68-4586-AB1C-40550E15E9DA}" type="datetimeFigureOut">
               <a:rPr lang="zh-TW" altLang="en-US" smtClean="0"/>
-              <a:t>2023/12/18</a:t>
+              <a:t>2023/12/25</a:t>
             </a:fld>
             <a:endParaRPr lang="zh-TW" altLang="en-US"/>
           </a:p>
@@ -1818,7 +1818,7 @@
           <a:p>
             <a:fld id="{B6EEDEEC-3C68-4586-AB1C-40550E15E9DA}" type="datetimeFigureOut">
               <a:rPr lang="zh-TW" altLang="en-US" smtClean="0"/>
-              <a:t>2023/12/18</a:t>
+              <a:t>2023/12/25</a:t>
             </a:fld>
             <a:endParaRPr lang="zh-TW" altLang="en-US"/>
           </a:p>
@@ -1959,7 +1959,7 @@
           <a:p>
             <a:fld id="{B6EEDEEC-3C68-4586-AB1C-40550E15E9DA}" type="datetimeFigureOut">
               <a:rPr lang="zh-TW" altLang="en-US" smtClean="0"/>
-              <a:t>2023/12/18</a:t>
+              <a:t>2023/12/25</a:t>
             </a:fld>
             <a:endParaRPr lang="zh-TW" altLang="en-US"/>
           </a:p>
@@ -2072,7 +2072,7 @@
           <a:p>
             <a:fld id="{B6EEDEEC-3C68-4586-AB1C-40550E15E9DA}" type="datetimeFigureOut">
               <a:rPr lang="zh-TW" altLang="en-US" smtClean="0"/>
-              <a:t>2023/12/18</a:t>
+              <a:t>2023/12/25</a:t>
             </a:fld>
             <a:endParaRPr lang="zh-TW" altLang="en-US"/>
           </a:p>
@@ -2383,7 +2383,7 @@
           <a:p>
             <a:fld id="{B6EEDEEC-3C68-4586-AB1C-40550E15E9DA}" type="datetimeFigureOut">
               <a:rPr lang="zh-TW" altLang="en-US" smtClean="0"/>
-              <a:t>2023/12/18</a:t>
+              <a:t>2023/12/25</a:t>
             </a:fld>
             <a:endParaRPr lang="zh-TW" altLang="en-US"/>
           </a:p>
@@ -2671,7 +2671,7 @@
           <a:p>
             <a:fld id="{B6EEDEEC-3C68-4586-AB1C-40550E15E9DA}" type="datetimeFigureOut">
               <a:rPr lang="zh-TW" altLang="en-US" smtClean="0"/>
-              <a:t>2023/12/18</a:t>
+              <a:t>2023/12/25</a:t>
             </a:fld>
             <a:endParaRPr lang="zh-TW" altLang="en-US"/>
           </a:p>
@@ -2912,7 +2912,7 @@
           <a:p>
             <a:fld id="{B6EEDEEC-3C68-4586-AB1C-40550E15E9DA}" type="datetimeFigureOut">
               <a:rPr lang="zh-TW" altLang="en-US" smtClean="0"/>
-              <a:t>2023/12/18</a:t>
+              <a:t>2023/12/25</a:t>
             </a:fld>
             <a:endParaRPr lang="zh-TW" altLang="en-US"/>
           </a:p>
@@ -3351,7 +3351,7 @@
         </p:blipFill>
         <p:spPr>
           <a:xfrm>
-            <a:off x="6300151" y="2260050"/>
+            <a:off x="3716342" y="1793678"/>
             <a:ext cx="5363323" cy="4334480"/>
           </a:xfrm>
           <a:prstGeom prst="rect">
